--- a/doc/element.pptx
+++ b/doc/element.pptx
@@ -10,6 +10,7 @@
     <p:sldId id="259" r:id="rId4"/>
     <p:sldId id="260" r:id="rId5"/>
     <p:sldId id="261" r:id="rId6"/>
+    <p:sldId id="262" r:id="rId7"/>
   </p:sldIdLst>
   <p:sldSz cx="12192000" cy="6858000"/>
   <p:notesSz cx="6858000" cy="9144000"/>
@@ -108,6 +109,11 @@
       </a:defRPr>
     </a:lvl9pPr>
   </p:defaultTextStyle>
+  <p:extLst>
+    <p:ext uri="{EFAFB233-063F-42B5-8137-9DF3F51BA10A}">
+      <p15:sldGuideLst xmlns:p15="http://schemas.microsoft.com/office/powerpoint/2012/main"/>
+    </p:ext>
+  </p:extLst>
 </p:presentation>
 </file>
 
@@ -258,7 +264,7 @@
           <a:p>
             <a:fld id="{238DC661-B36F-40C5-A739-5672DB58AC6E}" type="datetimeFigureOut">
               <a:rPr lang="en-US" smtClean="0"/>
-              <a:t>4/24/2023</a:t>
+              <a:t>2/21/2024</a:t>
             </a:fld>
             <a:endParaRPr lang="en-US"/>
           </a:p>
@@ -456,7 +462,7 @@
           <a:p>
             <a:fld id="{238DC661-B36F-40C5-A739-5672DB58AC6E}" type="datetimeFigureOut">
               <a:rPr lang="en-US" smtClean="0"/>
-              <a:t>4/24/2023</a:t>
+              <a:t>2/21/2024</a:t>
             </a:fld>
             <a:endParaRPr lang="en-US"/>
           </a:p>
@@ -664,7 +670,7 @@
           <a:p>
             <a:fld id="{238DC661-B36F-40C5-A739-5672DB58AC6E}" type="datetimeFigureOut">
               <a:rPr lang="en-US" smtClean="0"/>
-              <a:t>4/24/2023</a:t>
+              <a:t>2/21/2024</a:t>
             </a:fld>
             <a:endParaRPr lang="en-US"/>
           </a:p>
@@ -862,7 +868,7 @@
           <a:p>
             <a:fld id="{238DC661-B36F-40C5-A739-5672DB58AC6E}" type="datetimeFigureOut">
               <a:rPr lang="en-US" smtClean="0"/>
-              <a:t>4/24/2023</a:t>
+              <a:t>2/21/2024</a:t>
             </a:fld>
             <a:endParaRPr lang="en-US"/>
           </a:p>
@@ -1137,7 +1143,7 @@
           <a:p>
             <a:fld id="{238DC661-B36F-40C5-A739-5672DB58AC6E}" type="datetimeFigureOut">
               <a:rPr lang="en-US" smtClean="0"/>
-              <a:t>4/24/2023</a:t>
+              <a:t>2/21/2024</a:t>
             </a:fld>
             <a:endParaRPr lang="en-US"/>
           </a:p>
@@ -1402,7 +1408,7 @@
           <a:p>
             <a:fld id="{238DC661-B36F-40C5-A739-5672DB58AC6E}" type="datetimeFigureOut">
               <a:rPr lang="en-US" smtClean="0"/>
-              <a:t>4/24/2023</a:t>
+              <a:t>2/21/2024</a:t>
             </a:fld>
             <a:endParaRPr lang="en-US"/>
           </a:p>
@@ -1814,7 +1820,7 @@
           <a:p>
             <a:fld id="{238DC661-B36F-40C5-A739-5672DB58AC6E}" type="datetimeFigureOut">
               <a:rPr lang="en-US" smtClean="0"/>
-              <a:t>4/24/2023</a:t>
+              <a:t>2/21/2024</a:t>
             </a:fld>
             <a:endParaRPr lang="en-US"/>
           </a:p>
@@ -1955,7 +1961,7 @@
           <a:p>
             <a:fld id="{238DC661-B36F-40C5-A739-5672DB58AC6E}" type="datetimeFigureOut">
               <a:rPr lang="en-US" smtClean="0"/>
-              <a:t>4/24/2023</a:t>
+              <a:t>2/21/2024</a:t>
             </a:fld>
             <a:endParaRPr lang="en-US"/>
           </a:p>
@@ -2068,7 +2074,7 @@
           <a:p>
             <a:fld id="{238DC661-B36F-40C5-A739-5672DB58AC6E}" type="datetimeFigureOut">
               <a:rPr lang="en-US" smtClean="0"/>
-              <a:t>4/24/2023</a:t>
+              <a:t>2/21/2024</a:t>
             </a:fld>
             <a:endParaRPr lang="en-US"/>
           </a:p>
@@ -2379,7 +2385,7 @@
           <a:p>
             <a:fld id="{238DC661-B36F-40C5-A739-5672DB58AC6E}" type="datetimeFigureOut">
               <a:rPr lang="en-US" smtClean="0"/>
-              <a:t>4/24/2023</a:t>
+              <a:t>2/21/2024</a:t>
             </a:fld>
             <a:endParaRPr lang="en-US"/>
           </a:p>
@@ -2667,7 +2673,7 @@
           <a:p>
             <a:fld id="{238DC661-B36F-40C5-A739-5672DB58AC6E}" type="datetimeFigureOut">
               <a:rPr lang="en-US" smtClean="0"/>
-              <a:t>4/24/2023</a:t>
+              <a:t>2/21/2024</a:t>
             </a:fld>
             <a:endParaRPr lang="en-US"/>
           </a:p>
@@ -2908,7 +2914,7 @@
           <a:p>
             <a:fld id="{238DC661-B36F-40C5-A739-5672DB58AC6E}" type="datetimeFigureOut">
               <a:rPr lang="en-US" smtClean="0"/>
-              <a:t>4/24/2023</a:t>
+              <a:t>2/21/2024</a:t>
             </a:fld>
             <a:endParaRPr lang="en-US"/>
           </a:p>
@@ -8022,6 +8028,125 @@
 </p:sld>
 </file>
 
+<file path=ppt/slides/slide6.xml><?xml version="1.0" encoding="utf-8"?>
+<p:sld xmlns:a="http://schemas.openxmlformats.org/drawingml/2006/main" xmlns:r="http://schemas.openxmlformats.org/officeDocument/2006/relationships" xmlns:p="http://schemas.openxmlformats.org/presentationml/2006/main">
+  <p:cSld>
+    <p:spTree>
+      <p:nvGrpSpPr>
+        <p:cNvPr id="1" name=""/>
+        <p:cNvGrpSpPr/>
+        <p:nvPr/>
+      </p:nvGrpSpPr>
+      <p:grpSpPr>
+        <a:xfrm>
+          <a:off x="0" y="0"/>
+          <a:ext cx="0" cy="0"/>
+          <a:chOff x="0" y="0"/>
+          <a:chExt cx="0" cy="0"/>
+        </a:xfrm>
+      </p:grpSpPr>
+      <p:pic>
+        <p:nvPicPr>
+          <p:cNvPr id="1026" name="Picture 2">
+            <a:extLst>
+              <a:ext uri="{FF2B5EF4-FFF2-40B4-BE49-F238E27FC236}">
+                <a16:creationId xmlns:a16="http://schemas.microsoft.com/office/drawing/2014/main" id="{35ABAA44-E87F-6AED-6DD4-54CE4789650D}"/>
+              </a:ext>
+            </a:extLst>
+          </p:cNvPr>
+          <p:cNvPicPr>
+            <a:picLocks noChangeAspect="1" noChangeArrowheads="1"/>
+          </p:cNvPicPr>
+          <p:nvPr/>
+        </p:nvPicPr>
+        <p:blipFill>
+          <a:blip r:embed="rId2">
+            <a:extLst>
+              <a:ext uri="{28A0092B-C50C-407E-A947-70E740481C1C}">
+                <a14:useLocalDpi xmlns:a14="http://schemas.microsoft.com/office/drawing/2010/main" val="0"/>
+              </a:ext>
+            </a:extLst>
+          </a:blip>
+          <a:srcRect/>
+          <a:stretch>
+            <a:fillRect/>
+          </a:stretch>
+        </p:blipFill>
+        <p:spPr bwMode="auto">
+          <a:xfrm>
+            <a:off x="2625127" y="1034947"/>
+            <a:ext cx="4962525" cy="5476875"/>
+          </a:xfrm>
+          <a:prstGeom prst="rect">
+            <a:avLst/>
+          </a:prstGeom>
+          <a:noFill/>
+          <a:extLst>
+            <a:ext uri="{909E8E84-426E-40DD-AFC4-6F175D3DCCD1}">
+              <a14:hiddenFill xmlns:a14="http://schemas.microsoft.com/office/drawing/2010/main">
+                <a:solidFill>
+                  <a:srgbClr val="FFFFFF"/>
+                </a:solidFill>
+              </a14:hiddenFill>
+            </a:ext>
+          </a:extLst>
+        </p:spPr>
+      </p:pic>
+      <p:sp>
+        <p:nvSpPr>
+          <p:cNvPr id="7" name="TextBox 6">
+            <a:extLst>
+              <a:ext uri="{FF2B5EF4-FFF2-40B4-BE49-F238E27FC236}">
+                <a16:creationId xmlns:a16="http://schemas.microsoft.com/office/drawing/2014/main" id="{18B2F401-961C-87B9-90FA-648C6F6848AD}"/>
+              </a:ext>
+            </a:extLst>
+          </p:cNvPr>
+          <p:cNvSpPr txBox="1"/>
+          <p:nvPr/>
+        </p:nvSpPr>
+        <p:spPr>
+          <a:xfrm>
+            <a:off x="926276" y="389308"/>
+            <a:ext cx="6096000" cy="369332"/>
+          </a:xfrm>
+          <a:prstGeom prst="rect">
+            <a:avLst/>
+          </a:prstGeom>
+          <a:noFill/>
+        </p:spPr>
+        <p:txBody>
+          <a:bodyPr wrap="square">
+            <a:spAutoFit/>
+          </a:bodyPr>
+          <a:lstStyle/>
+          <a:p>
+            <a:r>
+              <a:rPr lang="en-US" b="1" i="0">
+                <a:solidFill>
+                  <a:srgbClr val="00008B"/>
+                </a:solidFill>
+                <a:effectLst/>
+                <a:latin typeface="arial" panose="020B0604020202020204" pitchFamily="34" charset="0"/>
+              </a:rPr>
+              <a:t>22.1.4 Three-dimensional solid element library</a:t>
+            </a:r>
+            <a:endParaRPr lang="en-US" dirty="0"/>
+          </a:p>
+        </p:txBody>
+      </p:sp>
+    </p:spTree>
+    <p:extLst>
+      <p:ext uri="{BB962C8B-B14F-4D97-AF65-F5344CB8AC3E}">
+        <p14:creationId xmlns:p14="http://schemas.microsoft.com/office/powerpoint/2010/main" val="409357236"/>
+      </p:ext>
+    </p:extLst>
+  </p:cSld>
+  <p:clrMapOvr>
+    <a:masterClrMapping/>
+  </p:clrMapOvr>
+</p:sld>
+</file>
+
 <file path=ppt/theme/theme1.xml><?xml version="1.0" encoding="utf-8"?>
 <a:theme xmlns:a="http://schemas.openxmlformats.org/drawingml/2006/main" name="Office Theme">
   <a:themeElements>
